--- a/NATP/NTAP 4.6.pptx
+++ b/NATP/NTAP 4.6.pptx
@@ -5,7 +5,7 @@
     <p:sldMasterId id="2147483648" r:id="rId1"/>
   </p:sldMasterIdLst>
   <p:notesMasterIdLst>
-    <p:notesMasterId r:id="rId11"/>
+    <p:notesMasterId r:id="rId18"/>
   </p:notesMasterIdLst>
   <p:sldIdLst>
     <p:sldId id="256" r:id="rId2"/>
@@ -15,8 +15,15 @@
     <p:sldId id="272" r:id="rId6"/>
     <p:sldId id="264" r:id="rId7"/>
     <p:sldId id="271" r:id="rId8"/>
-    <p:sldId id="258" r:id="rId9"/>
-    <p:sldId id="267" r:id="rId10"/>
+    <p:sldId id="276" r:id="rId9"/>
+    <p:sldId id="258" r:id="rId10"/>
+    <p:sldId id="267" r:id="rId11"/>
+    <p:sldId id="274" r:id="rId12"/>
+    <p:sldId id="275" r:id="rId13"/>
+    <p:sldId id="277" r:id="rId14"/>
+    <p:sldId id="278" r:id="rId15"/>
+    <p:sldId id="279" r:id="rId16"/>
+    <p:sldId id="281" r:id="rId17"/>
   </p:sldIdLst>
   <p:sldSz cx="9144000" cy="6858000" type="screen4x3"/>
   <p:notesSz cx="6858000" cy="9144000"/>
@@ -576,6 +583,930 @@
 </p:notes>
 </file>
 
+<file path=ppt/notesSlides/notesSlide10.xml><?xml version="1.0" encoding="utf-8"?>
+<p:notes xmlns:a="http://schemas.openxmlformats.org/drawingml/2006/main" xmlns:r="http://schemas.openxmlformats.org/officeDocument/2006/relationships" xmlns:p="http://schemas.openxmlformats.org/presentationml/2006/main">
+  <p:cSld>
+    <p:spTree>
+      <p:nvGrpSpPr>
+        <p:cNvPr id="1" name=""/>
+        <p:cNvGrpSpPr/>
+        <p:nvPr/>
+      </p:nvGrpSpPr>
+      <p:grpSpPr>
+        <a:xfrm>
+          <a:off x="0" y="0"/>
+          <a:ext cx="0" cy="0"/>
+          <a:chOff x="0" y="0"/>
+          <a:chExt cx="0" cy="0"/>
+        </a:xfrm>
+      </p:grpSpPr>
+      <p:sp>
+        <p:nvSpPr>
+          <p:cNvPr id="2" name="Slide Image Placeholder 1"/>
+          <p:cNvSpPr>
+            <a:spLocks noGrp="1" noRot="1" noChangeAspect="1"/>
+          </p:cNvSpPr>
+          <p:nvPr>
+            <p:ph type="sldImg"/>
+          </p:nvPr>
+        </p:nvSpPr>
+        <p:spPr/>
+      </p:sp>
+      <p:sp>
+        <p:nvSpPr>
+          <p:cNvPr id="3" name="Notes Placeholder 2"/>
+          <p:cNvSpPr>
+            <a:spLocks noGrp="1"/>
+          </p:cNvSpPr>
+          <p:nvPr>
+            <p:ph type="body" idx="1"/>
+          </p:nvPr>
+        </p:nvSpPr>
+        <p:spPr/>
+        <p:txBody>
+          <a:bodyPr/>
+          <a:lstStyle/>
+          <a:p>
+            <a:pPr marL="171450" marR="0" lvl="2" indent="-171450" algn="l" defTabSz="914400" rtl="0" eaLnBrk="1" fontAlgn="auto" latinLnBrk="0" hangingPunct="1">
+              <a:lnSpc>
+                <a:spcPct val="100000"/>
+              </a:lnSpc>
+              <a:spcBef>
+                <a:spcPts val="0"/>
+              </a:spcBef>
+              <a:spcAft>
+                <a:spcPts val="0"/>
+              </a:spcAft>
+              <a:buClrTx/>
+              <a:buSzTx/>
+              <a:buFont typeface="Arial" charset="0"/>
+              <a:buChar char="•"/>
+              <a:tabLst/>
+              <a:defRPr/>
+            </a:pPr>
+            <a:r>
+              <a:rPr lang="en-US" baseline="0" dirty="0" smtClean="0"/>
+              <a:t>Note that the axes have been standardized so that their means are zero and their variances are 1</a:t>
+            </a:r>
+          </a:p>
+          <a:p>
+            <a:pPr marL="171450" marR="0" lvl="2" indent="-171450" algn="l" defTabSz="914400" rtl="0" eaLnBrk="1" fontAlgn="auto" latinLnBrk="0" hangingPunct="1">
+              <a:lnSpc>
+                <a:spcPct val="100000"/>
+              </a:lnSpc>
+              <a:spcBef>
+                <a:spcPts val="0"/>
+              </a:spcBef>
+              <a:spcAft>
+                <a:spcPts val="0"/>
+              </a:spcAft>
+              <a:buClrTx/>
+              <a:buSzTx/>
+              <a:buFont typeface="Arial" charset="0"/>
+              <a:buChar char="•"/>
+              <a:tabLst/>
+              <a:defRPr/>
+            </a:pPr>
+            <a:r>
+              <a:rPr lang="en-US" baseline="0" dirty="0" smtClean="0"/>
+              <a:t>Actual results are denoted by up triangles and down triangles. Up triangles denote when the market went up and down triangles denote when the market went down. </a:t>
+            </a:r>
+          </a:p>
+          <a:p>
+            <a:pPr marL="171450" marR="0" lvl="2" indent="-171450" algn="l" defTabSz="914400" rtl="0" eaLnBrk="1" fontAlgn="auto" latinLnBrk="0" hangingPunct="1">
+              <a:lnSpc>
+                <a:spcPct val="100000"/>
+              </a:lnSpc>
+              <a:spcBef>
+                <a:spcPts val="0"/>
+              </a:spcBef>
+              <a:spcAft>
+                <a:spcPts val="0"/>
+              </a:spcAft>
+              <a:buClrTx/>
+              <a:buSzTx/>
+              <a:buFont typeface="Arial" charset="0"/>
+              <a:buChar char="•"/>
+              <a:tabLst/>
+              <a:defRPr/>
+            </a:pPr>
+            <a:r>
+              <a:rPr lang="en-US" baseline="0" dirty="0" smtClean="0"/>
+              <a:t>The colors denote the predicted directions, with green denoting an “Up” prediction and red denoting a “Down” prediction</a:t>
+            </a:r>
+          </a:p>
+          <a:p>
+            <a:pPr marL="171450" marR="0" lvl="2" indent="-171450" algn="l" defTabSz="914400" rtl="0" eaLnBrk="1" fontAlgn="auto" latinLnBrk="0" hangingPunct="1">
+              <a:lnSpc>
+                <a:spcPct val="100000"/>
+              </a:lnSpc>
+              <a:spcBef>
+                <a:spcPts val="0"/>
+              </a:spcBef>
+              <a:spcAft>
+                <a:spcPts val="0"/>
+              </a:spcAft>
+              <a:buClrTx/>
+              <a:buSzTx/>
+              <a:buFont typeface="Arial" charset="0"/>
+              <a:buChar char="•"/>
+              <a:tabLst/>
+              <a:defRPr/>
+            </a:pPr>
+            <a:r>
+              <a:rPr lang="en-US" baseline="0" dirty="0" smtClean="0"/>
+              <a:t>Red Down triangles indicate correct predictions of the market going down</a:t>
+            </a:r>
+          </a:p>
+          <a:p>
+            <a:pPr marL="171450" marR="0" lvl="2" indent="-171450" algn="l" defTabSz="914400" rtl="0" eaLnBrk="1" fontAlgn="auto" latinLnBrk="0" hangingPunct="1">
+              <a:lnSpc>
+                <a:spcPct val="100000"/>
+              </a:lnSpc>
+              <a:spcBef>
+                <a:spcPts val="0"/>
+              </a:spcBef>
+              <a:spcAft>
+                <a:spcPts val="0"/>
+              </a:spcAft>
+              <a:buClrTx/>
+              <a:buSzTx/>
+              <a:buFont typeface="Arial" charset="0"/>
+              <a:buChar char="•"/>
+              <a:tabLst/>
+              <a:defRPr/>
+            </a:pPr>
+            <a:r>
+              <a:rPr lang="en-US" baseline="0" dirty="0" smtClean="0"/>
+              <a:t>Green Up triangles indicate correct predictions of the market going up</a:t>
+            </a:r>
+          </a:p>
+          <a:p>
+            <a:pPr marL="171450" marR="0" lvl="2" indent="-171450" algn="l" defTabSz="914400" rtl="0" eaLnBrk="1" fontAlgn="auto" latinLnBrk="0" hangingPunct="1">
+              <a:lnSpc>
+                <a:spcPct val="100000"/>
+              </a:lnSpc>
+              <a:spcBef>
+                <a:spcPts val="0"/>
+              </a:spcBef>
+              <a:spcAft>
+                <a:spcPts val="0"/>
+              </a:spcAft>
+              <a:buClrTx/>
+              <a:buSzTx/>
+              <a:buFont typeface="Arial" charset="0"/>
+              <a:buChar char="•"/>
+              <a:tabLst/>
+              <a:defRPr/>
+            </a:pPr>
+            <a:r>
+              <a:rPr lang="en-US" baseline="0" dirty="0" smtClean="0"/>
+              <a:t>Red Up triangles indicate that the market went up even though it was predicted to go down</a:t>
+            </a:r>
+          </a:p>
+          <a:p>
+            <a:pPr marL="171450" marR="0" lvl="2" indent="-171450" algn="l" defTabSz="914400" rtl="0" eaLnBrk="1" fontAlgn="auto" latinLnBrk="0" hangingPunct="1">
+              <a:lnSpc>
+                <a:spcPct val="100000"/>
+              </a:lnSpc>
+              <a:spcBef>
+                <a:spcPts val="0"/>
+              </a:spcBef>
+              <a:spcAft>
+                <a:spcPts val="0"/>
+              </a:spcAft>
+              <a:buClrTx/>
+              <a:buSzTx/>
+              <a:buFont typeface="Arial" charset="0"/>
+              <a:buChar char="•"/>
+              <a:tabLst/>
+              <a:defRPr/>
+            </a:pPr>
+            <a:r>
+              <a:rPr lang="en-US" baseline="0" dirty="0" smtClean="0"/>
+              <a:t>Green down triangles indicate that the market went down even though it was predicted to go up</a:t>
+            </a:r>
+          </a:p>
+          <a:p>
+            <a:pPr marL="171450" marR="0" lvl="2" indent="-171450" algn="l" defTabSz="914400" rtl="0" eaLnBrk="1" fontAlgn="auto" latinLnBrk="0" hangingPunct="1">
+              <a:lnSpc>
+                <a:spcPct val="100000"/>
+              </a:lnSpc>
+              <a:spcBef>
+                <a:spcPts val="0"/>
+              </a:spcBef>
+              <a:spcAft>
+                <a:spcPts val="0"/>
+              </a:spcAft>
+              <a:buClrTx/>
+              <a:buSzTx/>
+              <a:buFont typeface="Arial" charset="0"/>
+              <a:buChar char="•"/>
+              <a:tabLst/>
+              <a:defRPr/>
+            </a:pPr>
+            <a:r>
+              <a:rPr lang="en-US" baseline="0" dirty="0" smtClean="0"/>
+              <a:t>While not perfect, there is some evidence of a simple divider of the classifications: if the scaled volume falls between -0.5 and 0.5, the market is predicted to go down. Otherwise , it is predicted to go up.</a:t>
+            </a:r>
+          </a:p>
+          <a:p>
+            <a:pPr marL="171450" marR="0" lvl="2" indent="-171450" algn="l" defTabSz="914400" rtl="0" eaLnBrk="1" fontAlgn="auto" latinLnBrk="0" hangingPunct="1">
+              <a:lnSpc>
+                <a:spcPct val="100000"/>
+              </a:lnSpc>
+              <a:spcBef>
+                <a:spcPts val="0"/>
+              </a:spcBef>
+              <a:spcAft>
+                <a:spcPts val="0"/>
+              </a:spcAft>
+              <a:buClrTx/>
+              <a:buSzTx/>
+              <a:buFont typeface="Arial" charset="0"/>
+              <a:buChar char="•"/>
+              <a:tabLst/>
+              <a:defRPr/>
+            </a:pPr>
+            <a:endParaRPr lang="en-US" baseline="0" dirty="0" smtClean="0"/>
+          </a:p>
+        </p:txBody>
+      </p:sp>
+      <p:sp>
+        <p:nvSpPr>
+          <p:cNvPr id="4" name="Slide Number Placeholder 3"/>
+          <p:cNvSpPr>
+            <a:spLocks noGrp="1"/>
+          </p:cNvSpPr>
+          <p:nvPr>
+            <p:ph type="sldNum" sz="quarter" idx="10"/>
+          </p:nvPr>
+        </p:nvSpPr>
+        <p:spPr/>
+        <p:txBody>
+          <a:bodyPr/>
+          <a:lstStyle/>
+          <a:p>
+            <a:fld id="{A504908A-324B-134B-8AD3-2F72B84A1BFF}" type="slidenum">
+              <a:rPr lang="en-US" smtClean="0"/>
+              <a:t>10</a:t>
+            </a:fld>
+            <a:endParaRPr lang="en-US" dirty="0"/>
+          </a:p>
+        </p:txBody>
+      </p:sp>
+    </p:spTree>
+    <p:extLst>
+      <p:ext uri="{BB962C8B-B14F-4D97-AF65-F5344CB8AC3E}">
+        <p14:creationId xmlns:p14="http://schemas.microsoft.com/office/powerpoint/2010/main" val="950552674"/>
+      </p:ext>
+    </p:extLst>
+  </p:cSld>
+  <p:clrMapOvr>
+    <a:masterClrMapping/>
+  </p:clrMapOvr>
+</p:notes>
+</file>
+
+<file path=ppt/notesSlides/notesSlide11.xml><?xml version="1.0" encoding="utf-8"?>
+<p:notes xmlns:a="http://schemas.openxmlformats.org/drawingml/2006/main" xmlns:r="http://schemas.openxmlformats.org/officeDocument/2006/relationships" xmlns:p="http://schemas.openxmlformats.org/presentationml/2006/main">
+  <p:cSld>
+    <p:spTree>
+      <p:nvGrpSpPr>
+        <p:cNvPr id="1" name=""/>
+        <p:cNvGrpSpPr/>
+        <p:nvPr/>
+      </p:nvGrpSpPr>
+      <p:grpSpPr>
+        <a:xfrm>
+          <a:off x="0" y="0"/>
+          <a:ext cx="0" cy="0"/>
+          <a:chOff x="0" y="0"/>
+          <a:chExt cx="0" cy="0"/>
+        </a:xfrm>
+      </p:grpSpPr>
+      <p:sp>
+        <p:nvSpPr>
+          <p:cNvPr id="2" name="Slide Image Placeholder 1"/>
+          <p:cNvSpPr>
+            <a:spLocks noGrp="1" noRot="1" noChangeAspect="1"/>
+          </p:cNvSpPr>
+          <p:nvPr>
+            <p:ph type="sldImg"/>
+          </p:nvPr>
+        </p:nvSpPr>
+        <p:spPr/>
+      </p:sp>
+      <p:sp>
+        <p:nvSpPr>
+          <p:cNvPr id="3" name="Notes Placeholder 2"/>
+          <p:cNvSpPr>
+            <a:spLocks noGrp="1"/>
+          </p:cNvSpPr>
+          <p:nvPr>
+            <p:ph type="body" idx="1"/>
+          </p:nvPr>
+        </p:nvSpPr>
+        <p:spPr/>
+        <p:txBody>
+          <a:bodyPr/>
+          <a:lstStyle/>
+          <a:p>
+            <a:pPr marL="171450" indent="-171450">
+              <a:buFont typeface="Arial" charset="0"/>
+              <a:buChar char="•"/>
+            </a:pPr>
+            <a:r>
+              <a:rPr lang="en-US" dirty="0" smtClean="0"/>
+              <a:t>The</a:t>
+            </a:r>
+            <a:r>
+              <a:rPr lang="en-US" baseline="0" dirty="0" smtClean="0"/>
+              <a:t> model is most accurate predicting that the market will go up (91/137 = 66%, vs. 65/115 = 56% when predicting the market will go down)</a:t>
+            </a:r>
+          </a:p>
+          <a:p>
+            <a:pPr marL="171450" indent="-171450">
+              <a:buFont typeface="Arial" charset="0"/>
+              <a:buChar char="•"/>
+            </a:pPr>
+            <a:r>
+              <a:rPr lang="en-US" baseline="0" dirty="0" smtClean="0"/>
+              <a:t>A possible investment strategy would be to invest only when predicting that the market will go up</a:t>
+            </a:r>
+          </a:p>
+        </p:txBody>
+      </p:sp>
+      <p:sp>
+        <p:nvSpPr>
+          <p:cNvPr id="4" name="Slide Number Placeholder 3"/>
+          <p:cNvSpPr>
+            <a:spLocks noGrp="1"/>
+          </p:cNvSpPr>
+          <p:nvPr>
+            <p:ph type="sldNum" sz="quarter" idx="10"/>
+          </p:nvPr>
+        </p:nvSpPr>
+        <p:spPr/>
+        <p:txBody>
+          <a:bodyPr/>
+          <a:lstStyle/>
+          <a:p>
+            <a:fld id="{A504908A-324B-134B-8AD3-2F72B84A1BFF}" type="slidenum">
+              <a:rPr lang="en-US" smtClean="0"/>
+              <a:t>11</a:t>
+            </a:fld>
+            <a:endParaRPr lang="en-US" dirty="0"/>
+          </a:p>
+        </p:txBody>
+      </p:sp>
+    </p:spTree>
+    <p:extLst>
+      <p:ext uri="{BB962C8B-B14F-4D97-AF65-F5344CB8AC3E}">
+        <p14:creationId xmlns:p14="http://schemas.microsoft.com/office/powerpoint/2010/main" val="955594756"/>
+      </p:ext>
+    </p:extLst>
+  </p:cSld>
+  <p:clrMapOvr>
+    <a:masterClrMapping/>
+  </p:clrMapOvr>
+</p:notes>
+</file>
+
+<file path=ppt/notesSlides/notesSlide12.xml><?xml version="1.0" encoding="utf-8"?>
+<p:notes xmlns:a="http://schemas.openxmlformats.org/drawingml/2006/main" xmlns:r="http://schemas.openxmlformats.org/officeDocument/2006/relationships" xmlns:p="http://schemas.openxmlformats.org/presentationml/2006/main">
+  <p:cSld>
+    <p:spTree>
+      <p:nvGrpSpPr>
+        <p:cNvPr id="1" name=""/>
+        <p:cNvGrpSpPr/>
+        <p:nvPr/>
+      </p:nvGrpSpPr>
+      <p:grpSpPr>
+        <a:xfrm>
+          <a:off x="0" y="0"/>
+          <a:ext cx="0" cy="0"/>
+          <a:chOff x="0" y="0"/>
+          <a:chExt cx="0" cy="0"/>
+        </a:xfrm>
+      </p:grpSpPr>
+      <p:sp>
+        <p:nvSpPr>
+          <p:cNvPr id="2" name="Slide Image Placeholder 1"/>
+          <p:cNvSpPr>
+            <a:spLocks noGrp="1" noRot="1" noChangeAspect="1"/>
+          </p:cNvSpPr>
+          <p:nvPr>
+            <p:ph type="sldImg"/>
+          </p:nvPr>
+        </p:nvSpPr>
+        <p:spPr/>
+      </p:sp>
+      <p:sp>
+        <p:nvSpPr>
+          <p:cNvPr id="3" name="Notes Placeholder 2"/>
+          <p:cNvSpPr>
+            <a:spLocks noGrp="1"/>
+          </p:cNvSpPr>
+          <p:nvPr>
+            <p:ph type="body" idx="1"/>
+          </p:nvPr>
+        </p:nvSpPr>
+        <p:spPr/>
+        <p:txBody>
+          <a:bodyPr/>
+          <a:lstStyle/>
+          <a:p>
+            <a:pPr marL="171450" indent="-171450">
+              <a:buFont typeface="Arial" charset="0"/>
+              <a:buChar char="•"/>
+            </a:pPr>
+            <a:r>
+              <a:rPr lang="en-US" baseline="0" dirty="0" smtClean="0"/>
+              <a:t>LDA and QDA require that the predictors follow a multivariate normal distribution</a:t>
+            </a:r>
+          </a:p>
+        </p:txBody>
+      </p:sp>
+      <p:sp>
+        <p:nvSpPr>
+          <p:cNvPr id="4" name="Slide Number Placeholder 3"/>
+          <p:cNvSpPr>
+            <a:spLocks noGrp="1"/>
+          </p:cNvSpPr>
+          <p:nvPr>
+            <p:ph type="sldNum" sz="quarter" idx="10"/>
+          </p:nvPr>
+        </p:nvSpPr>
+        <p:spPr/>
+        <p:txBody>
+          <a:bodyPr/>
+          <a:lstStyle/>
+          <a:p>
+            <a:fld id="{A504908A-324B-134B-8AD3-2F72B84A1BFF}" type="slidenum">
+              <a:rPr lang="en-US" smtClean="0"/>
+              <a:t>12</a:t>
+            </a:fld>
+            <a:endParaRPr lang="en-US" dirty="0"/>
+          </a:p>
+        </p:txBody>
+      </p:sp>
+    </p:spTree>
+    <p:extLst>
+      <p:ext uri="{BB962C8B-B14F-4D97-AF65-F5344CB8AC3E}">
+        <p14:creationId xmlns:p14="http://schemas.microsoft.com/office/powerpoint/2010/main" val="671380421"/>
+      </p:ext>
+    </p:extLst>
+  </p:cSld>
+  <p:clrMapOvr>
+    <a:masterClrMapping/>
+  </p:clrMapOvr>
+</p:notes>
+</file>
+
+<file path=ppt/notesSlides/notesSlide13.xml><?xml version="1.0" encoding="utf-8"?>
+<p:notes xmlns:a="http://schemas.openxmlformats.org/drawingml/2006/main" xmlns:r="http://schemas.openxmlformats.org/officeDocument/2006/relationships" xmlns:p="http://schemas.openxmlformats.org/presentationml/2006/main">
+  <p:cSld>
+    <p:spTree>
+      <p:nvGrpSpPr>
+        <p:cNvPr id="1" name=""/>
+        <p:cNvGrpSpPr/>
+        <p:nvPr/>
+      </p:nvGrpSpPr>
+      <p:grpSpPr>
+        <a:xfrm>
+          <a:off x="0" y="0"/>
+          <a:ext cx="0" cy="0"/>
+          <a:chOff x="0" y="0"/>
+          <a:chExt cx="0" cy="0"/>
+        </a:xfrm>
+      </p:grpSpPr>
+      <p:sp>
+        <p:nvSpPr>
+          <p:cNvPr id="2" name="Slide Image Placeholder 1"/>
+          <p:cNvSpPr>
+            <a:spLocks noGrp="1" noRot="1" noChangeAspect="1"/>
+          </p:cNvSpPr>
+          <p:nvPr>
+            <p:ph type="sldImg"/>
+          </p:nvPr>
+        </p:nvSpPr>
+        <p:spPr/>
+      </p:sp>
+      <p:sp>
+        <p:nvSpPr>
+          <p:cNvPr id="3" name="Notes Placeholder 2"/>
+          <p:cNvSpPr>
+            <a:spLocks noGrp="1"/>
+          </p:cNvSpPr>
+          <p:nvPr>
+            <p:ph type="body" idx="1"/>
+          </p:nvPr>
+        </p:nvSpPr>
+        <p:spPr/>
+        <p:txBody>
+          <a:bodyPr/>
+          <a:lstStyle/>
+          <a:p>
+            <a:pPr marL="171450" indent="-171450">
+              <a:buFontTx/>
+              <a:buChar char="-"/>
+            </a:pPr>
+            <a:r>
+              <a:rPr lang="en-US" dirty="0" smtClean="0"/>
+              <a:t>These</a:t>
+            </a:r>
+            <a:r>
+              <a:rPr lang="en-US" baseline="0" dirty="0" smtClean="0"/>
+              <a:t> are the histograms of the centered and scaled variables</a:t>
+            </a:r>
+          </a:p>
+          <a:p>
+            <a:pPr marL="171450" indent="-171450">
+              <a:buFontTx/>
+              <a:buChar char="-"/>
+            </a:pPr>
+            <a:r>
+              <a:rPr lang="en-US" baseline="0" dirty="0" smtClean="0"/>
+              <a:t>While every variable is marginally normally distributed, it is possible that they do not follow a multivariate normal distribution</a:t>
+            </a:r>
+          </a:p>
+          <a:p>
+            <a:pPr marL="171450" indent="-171450">
+              <a:buFontTx/>
+              <a:buChar char="-"/>
+            </a:pPr>
+            <a:r>
+              <a:rPr lang="en-US" baseline="0" dirty="0" smtClean="0"/>
+              <a:t>A significance test could be performed to check for multivariate normality</a:t>
+            </a:r>
+          </a:p>
+          <a:p>
+            <a:pPr marL="171450" indent="-171450">
+              <a:buFontTx/>
+              <a:buChar char="-"/>
+            </a:pPr>
+            <a:endParaRPr lang="en-US" baseline="0" dirty="0" smtClean="0"/>
+          </a:p>
+        </p:txBody>
+      </p:sp>
+      <p:sp>
+        <p:nvSpPr>
+          <p:cNvPr id="4" name="Slide Number Placeholder 3"/>
+          <p:cNvSpPr>
+            <a:spLocks noGrp="1"/>
+          </p:cNvSpPr>
+          <p:nvPr>
+            <p:ph type="sldNum" sz="quarter" idx="10"/>
+          </p:nvPr>
+        </p:nvSpPr>
+        <p:spPr/>
+        <p:txBody>
+          <a:bodyPr/>
+          <a:lstStyle/>
+          <a:p>
+            <a:fld id="{A504908A-324B-134B-8AD3-2F72B84A1BFF}" type="slidenum">
+              <a:rPr lang="en-US" smtClean="0"/>
+              <a:t>13</a:t>
+            </a:fld>
+            <a:endParaRPr lang="en-US" dirty="0"/>
+          </a:p>
+        </p:txBody>
+      </p:sp>
+    </p:spTree>
+    <p:extLst>
+      <p:ext uri="{BB962C8B-B14F-4D97-AF65-F5344CB8AC3E}">
+        <p14:creationId xmlns:p14="http://schemas.microsoft.com/office/powerpoint/2010/main" val="2112652843"/>
+      </p:ext>
+    </p:extLst>
+  </p:cSld>
+  <p:clrMapOvr>
+    <a:masterClrMapping/>
+  </p:clrMapOvr>
+</p:notes>
+</file>
+
+<file path=ppt/notesSlides/notesSlide14.xml><?xml version="1.0" encoding="utf-8"?>
+<p:notes xmlns:a="http://schemas.openxmlformats.org/drawingml/2006/main" xmlns:r="http://schemas.openxmlformats.org/officeDocument/2006/relationships" xmlns:p="http://schemas.openxmlformats.org/presentationml/2006/main">
+  <p:cSld>
+    <p:spTree>
+      <p:nvGrpSpPr>
+        <p:cNvPr id="1" name=""/>
+        <p:cNvGrpSpPr/>
+        <p:nvPr/>
+      </p:nvGrpSpPr>
+      <p:grpSpPr>
+        <a:xfrm>
+          <a:off x="0" y="0"/>
+          <a:ext cx="0" cy="0"/>
+          <a:chOff x="0" y="0"/>
+          <a:chExt cx="0" cy="0"/>
+        </a:xfrm>
+      </p:grpSpPr>
+      <p:sp>
+        <p:nvSpPr>
+          <p:cNvPr id="2" name="Slide Image Placeholder 1"/>
+          <p:cNvSpPr>
+            <a:spLocks noGrp="1" noRot="1" noChangeAspect="1"/>
+          </p:cNvSpPr>
+          <p:nvPr>
+            <p:ph type="sldImg"/>
+          </p:nvPr>
+        </p:nvSpPr>
+        <p:spPr/>
+      </p:sp>
+      <p:sp>
+        <p:nvSpPr>
+          <p:cNvPr id="3" name="Notes Placeholder 2"/>
+          <p:cNvSpPr>
+            <a:spLocks noGrp="1"/>
+          </p:cNvSpPr>
+          <p:nvPr>
+            <p:ph type="body" idx="1"/>
+          </p:nvPr>
+        </p:nvSpPr>
+        <p:spPr/>
+        <p:txBody>
+          <a:bodyPr/>
+          <a:lstStyle/>
+          <a:p>
+            <a:r>
+              <a:rPr lang="en-US" dirty="0" smtClean="0"/>
+              <a:t>-Based</a:t>
+            </a:r>
+            <a:r>
+              <a:rPr lang="en-US" baseline="0" dirty="0" smtClean="0"/>
+              <a:t> on the correlation plots, there is almost no evidence of multi-collinearity</a:t>
+            </a:r>
+          </a:p>
+          <a:p>
+            <a:r>
+              <a:rPr lang="en-US" baseline="0" dirty="0" smtClean="0"/>
+              <a:t>- All two way interactions were fit initially and it was discovered that Lag1*Lag5 is a significant predictor of stock market direction. It was not, however, included in the final model nor was it included in any of the best performing LR, LDA, and QDA models</a:t>
+            </a:r>
+            <a:endParaRPr lang="en-US" dirty="0"/>
+          </a:p>
+        </p:txBody>
+      </p:sp>
+      <p:sp>
+        <p:nvSpPr>
+          <p:cNvPr id="4" name="Slide Number Placeholder 3"/>
+          <p:cNvSpPr>
+            <a:spLocks noGrp="1"/>
+          </p:cNvSpPr>
+          <p:nvPr>
+            <p:ph type="sldNum" sz="quarter" idx="10"/>
+          </p:nvPr>
+        </p:nvSpPr>
+        <p:spPr/>
+        <p:txBody>
+          <a:bodyPr/>
+          <a:lstStyle/>
+          <a:p>
+            <a:fld id="{A504908A-324B-134B-8AD3-2F72B84A1BFF}" type="slidenum">
+              <a:rPr lang="en-US" smtClean="0"/>
+              <a:t>14</a:t>
+            </a:fld>
+            <a:endParaRPr lang="en-US" dirty="0"/>
+          </a:p>
+        </p:txBody>
+      </p:sp>
+    </p:spTree>
+    <p:extLst>
+      <p:ext uri="{BB962C8B-B14F-4D97-AF65-F5344CB8AC3E}">
+        <p14:creationId xmlns:p14="http://schemas.microsoft.com/office/powerpoint/2010/main" val="45994703"/>
+      </p:ext>
+    </p:extLst>
+  </p:cSld>
+  <p:clrMapOvr>
+    <a:masterClrMapping/>
+  </p:clrMapOvr>
+</p:notes>
+</file>
+
+<file path=ppt/notesSlides/notesSlide15.xml><?xml version="1.0" encoding="utf-8"?>
+<p:notes xmlns:a="http://schemas.openxmlformats.org/drawingml/2006/main" xmlns:r="http://schemas.openxmlformats.org/officeDocument/2006/relationships" xmlns:p="http://schemas.openxmlformats.org/presentationml/2006/main">
+  <p:cSld>
+    <p:spTree>
+      <p:nvGrpSpPr>
+        <p:cNvPr id="1" name=""/>
+        <p:cNvGrpSpPr/>
+        <p:nvPr/>
+      </p:nvGrpSpPr>
+      <p:grpSpPr>
+        <a:xfrm>
+          <a:off x="0" y="0"/>
+          <a:ext cx="0" cy="0"/>
+          <a:chOff x="0" y="0"/>
+          <a:chExt cx="0" cy="0"/>
+        </a:xfrm>
+      </p:grpSpPr>
+      <p:sp>
+        <p:nvSpPr>
+          <p:cNvPr id="2" name="Slide Image Placeholder 1"/>
+          <p:cNvSpPr>
+            <a:spLocks noGrp="1" noRot="1" noChangeAspect="1"/>
+          </p:cNvSpPr>
+          <p:nvPr>
+            <p:ph type="sldImg"/>
+          </p:nvPr>
+        </p:nvSpPr>
+        <p:spPr/>
+      </p:sp>
+      <p:sp>
+        <p:nvSpPr>
+          <p:cNvPr id="3" name="Notes Placeholder 2"/>
+          <p:cNvSpPr>
+            <a:spLocks noGrp="1"/>
+          </p:cNvSpPr>
+          <p:nvPr>
+            <p:ph type="body" idx="1"/>
+          </p:nvPr>
+        </p:nvSpPr>
+        <p:spPr/>
+        <p:txBody>
+          <a:bodyPr/>
+          <a:lstStyle/>
+          <a:p>
+            <a:r>
+              <a:rPr lang="en-US" dirty="0" smtClean="0"/>
+              <a:t>-The</a:t>
+            </a:r>
+            <a:r>
+              <a:rPr lang="en-US" baseline="0" dirty="0" smtClean="0"/>
+              <a:t> other variables are not necessarily insignificant, they just were not included in the final KNN model</a:t>
+            </a:r>
+          </a:p>
+          <a:p>
+            <a:r>
+              <a:rPr lang="en-US" baseline="0" dirty="0" smtClean="0"/>
+              <a:t>-Volume appeared in every model, while Lag5 appeared in all models except for QDA</a:t>
+            </a:r>
+          </a:p>
+        </p:txBody>
+      </p:sp>
+      <p:sp>
+        <p:nvSpPr>
+          <p:cNvPr id="4" name="Slide Number Placeholder 3"/>
+          <p:cNvSpPr>
+            <a:spLocks noGrp="1"/>
+          </p:cNvSpPr>
+          <p:nvPr>
+            <p:ph type="sldNum" sz="quarter" idx="10"/>
+          </p:nvPr>
+        </p:nvSpPr>
+        <p:spPr/>
+        <p:txBody>
+          <a:bodyPr/>
+          <a:lstStyle/>
+          <a:p>
+            <a:fld id="{A504908A-324B-134B-8AD3-2F72B84A1BFF}" type="slidenum">
+              <a:rPr lang="en-US" smtClean="0"/>
+              <a:t>15</a:t>
+            </a:fld>
+            <a:endParaRPr lang="en-US" dirty="0"/>
+          </a:p>
+        </p:txBody>
+      </p:sp>
+    </p:spTree>
+    <p:extLst>
+      <p:ext uri="{BB962C8B-B14F-4D97-AF65-F5344CB8AC3E}">
+        <p14:creationId xmlns:p14="http://schemas.microsoft.com/office/powerpoint/2010/main" val="175623241"/>
+      </p:ext>
+    </p:extLst>
+  </p:cSld>
+  <p:clrMapOvr>
+    <a:masterClrMapping/>
+  </p:clrMapOvr>
+</p:notes>
+</file>
+
+<file path=ppt/notesSlides/notesSlide16.xml><?xml version="1.0" encoding="utf-8"?>
+<p:notes xmlns:a="http://schemas.openxmlformats.org/drawingml/2006/main" xmlns:r="http://schemas.openxmlformats.org/officeDocument/2006/relationships" xmlns:p="http://schemas.openxmlformats.org/presentationml/2006/main">
+  <p:cSld>
+    <p:spTree>
+      <p:nvGrpSpPr>
+        <p:cNvPr id="1" name=""/>
+        <p:cNvGrpSpPr/>
+        <p:nvPr/>
+      </p:nvGrpSpPr>
+      <p:grpSpPr>
+        <a:xfrm>
+          <a:off x="0" y="0"/>
+          <a:ext cx="0" cy="0"/>
+          <a:chOff x="0" y="0"/>
+          <a:chExt cx="0" cy="0"/>
+        </a:xfrm>
+      </p:grpSpPr>
+      <p:sp>
+        <p:nvSpPr>
+          <p:cNvPr id="2" name="Slide Image Placeholder 1"/>
+          <p:cNvSpPr>
+            <a:spLocks noGrp="1" noRot="1" noChangeAspect="1"/>
+          </p:cNvSpPr>
+          <p:nvPr>
+            <p:ph type="sldImg"/>
+          </p:nvPr>
+        </p:nvSpPr>
+        <p:spPr/>
+      </p:sp>
+      <p:sp>
+        <p:nvSpPr>
+          <p:cNvPr id="3" name="Notes Placeholder 2"/>
+          <p:cNvSpPr>
+            <a:spLocks noGrp="1"/>
+          </p:cNvSpPr>
+          <p:nvPr>
+            <p:ph type="body" idx="1"/>
+          </p:nvPr>
+        </p:nvSpPr>
+        <p:spPr/>
+        <p:txBody>
+          <a:bodyPr/>
+          <a:lstStyle/>
+          <a:p>
+            <a:pPr marL="171450" indent="-171450">
+              <a:buFontTx/>
+              <a:buChar char="-"/>
+            </a:pPr>
+            <a:r>
+              <a:rPr lang="en-US" dirty="0" smtClean="0"/>
+              <a:t>A</a:t>
+            </a:r>
+            <a:r>
+              <a:rPr lang="en-US" baseline="0" dirty="0" smtClean="0"/>
+              <a:t> test for multivariate normality could help determine if LDA or QDA are appropriate models to fit</a:t>
+            </a:r>
+          </a:p>
+          <a:p>
+            <a:pPr marL="171450" indent="-171450">
+              <a:buFontTx/>
+              <a:buChar char="-"/>
+            </a:pPr>
+            <a:r>
+              <a:rPr lang="en-US" baseline="0" dirty="0" smtClean="0"/>
+              <a:t>The inclusion of additional interaction terms could help improve accuracy but would impact interpretability </a:t>
+            </a:r>
+          </a:p>
+          <a:p>
+            <a:pPr marL="171450" indent="-171450">
+              <a:buFontTx/>
+              <a:buChar char="-"/>
+            </a:pPr>
+            <a:r>
+              <a:rPr lang="en-US" baseline="0" dirty="0" smtClean="0"/>
+              <a:t>A more granular search over the tuning parameters could lead to better predictive results</a:t>
+            </a:r>
+          </a:p>
+          <a:p>
+            <a:pPr marL="171450" indent="-171450">
+              <a:buFontTx/>
+              <a:buChar char="-"/>
+            </a:pPr>
+            <a:r>
+              <a:rPr lang="en-US" baseline="0" dirty="0" smtClean="0"/>
+              <a:t>Simulation analyses could help take in to account both the positive and negative predictions for each model </a:t>
+            </a:r>
+            <a:endParaRPr lang="en-US" dirty="0"/>
+          </a:p>
+        </p:txBody>
+      </p:sp>
+      <p:sp>
+        <p:nvSpPr>
+          <p:cNvPr id="4" name="Slide Number Placeholder 3"/>
+          <p:cNvSpPr>
+            <a:spLocks noGrp="1"/>
+          </p:cNvSpPr>
+          <p:nvPr>
+            <p:ph type="sldNum" sz="quarter" idx="10"/>
+          </p:nvPr>
+        </p:nvSpPr>
+        <p:spPr/>
+        <p:txBody>
+          <a:bodyPr/>
+          <a:lstStyle/>
+          <a:p>
+            <a:fld id="{A504908A-324B-134B-8AD3-2F72B84A1BFF}" type="slidenum">
+              <a:rPr lang="en-US" smtClean="0"/>
+              <a:t>16</a:t>
+            </a:fld>
+            <a:endParaRPr lang="en-US" dirty="0"/>
+          </a:p>
+        </p:txBody>
+      </p:sp>
+    </p:spTree>
+    <p:extLst>
+      <p:ext uri="{BB962C8B-B14F-4D97-AF65-F5344CB8AC3E}">
+        <p14:creationId xmlns:p14="http://schemas.microsoft.com/office/powerpoint/2010/main" val="1248805417"/>
+      </p:ext>
+    </p:extLst>
+  </p:cSld>
+  <p:clrMapOvr>
+    <a:masterClrMapping/>
+  </p:clrMapOvr>
+</p:notes>
+</file>
+
 <file path=ppt/notesSlides/notesSlide2.xml><?xml version="1.0" encoding="utf-8"?>
 <p:notes xmlns:a="http://schemas.openxmlformats.org/drawingml/2006/main" xmlns:r="http://schemas.openxmlformats.org/officeDocument/2006/relationships" xmlns:p="http://schemas.openxmlformats.org/presentationml/2006/main">
   <p:cSld>
@@ -1004,7 +1935,7 @@
               <a:t>The K values used were 1, 4, 7, 10, </a:t>
             </a:r>
             <a:r>
-              <a:rPr lang="is-IS" baseline="0" dirty="0" smtClean="0"/>
+              <a:rPr lang="is-IS" baseline="0" smtClean="0"/>
               <a:t>... , 97, 100, 103</a:t>
             </a:r>
           </a:p>
@@ -1325,8 +2256,8 @@
               <a:buChar char="•"/>
             </a:pPr>
             <a:r>
-              <a:rPr lang="en-US" dirty="0" smtClean="0"/>
-              <a:t>KNN had the highest accuracy amongst all classification techniques</a:t>
+              <a:rPr lang="en-US" baseline="0" dirty="0" smtClean="0"/>
+              <a:t>KNN may out-perform LDA and QDA because of the multi-variate normal assumption not being fully satisfied</a:t>
             </a:r>
           </a:p>
           <a:p>
@@ -1335,14 +2266,19 @@
               <a:buChar char="•"/>
             </a:pPr>
             <a:r>
-              <a:rPr lang="en-US" dirty="0" smtClean="0"/>
-              <a:t>KN</a:t>
-            </a:r>
-            <a:r>
               <a:rPr lang="en-US" baseline="0" dirty="0" smtClean="0"/>
-              <a:t>N also offers a simple model as it only includes two predictors </a:t>
-            </a:r>
-            <a:endParaRPr lang="en-US" dirty="0"/>
+              <a:t>Quadratic Discriminant Analysis and KNN may outperform logistic regression and LDA because QDA and KNN are better able to handle non-linearities</a:t>
+            </a:r>
+          </a:p>
+          <a:p>
+            <a:pPr marL="171450" indent="-171450">
+              <a:buFont typeface="Arial" charset="0"/>
+              <a:buChar char="•"/>
+            </a:pPr>
+            <a:r>
+              <a:rPr lang="en-US" baseline="0" dirty="0" smtClean="0"/>
+              <a:t>Given that QDA and KNN handle non-linearities better than logistic regression and LDA, they require fewer predictors for equal or better predictive accuracy than the other methods  </a:t>
+            </a:r>
           </a:p>
         </p:txBody>
       </p:sp>
@@ -1372,7 +2308,7 @@
     </p:spTree>
     <p:extLst>
       <p:ext uri="{BB962C8B-B14F-4D97-AF65-F5344CB8AC3E}">
-        <p14:creationId xmlns:p14="http://schemas.microsoft.com/office/powerpoint/2010/main" val="163371100"/>
+        <p14:creationId xmlns:p14="http://schemas.microsoft.com/office/powerpoint/2010/main" val="1373858270"/>
       </p:ext>
     </p:extLst>
   </p:cSld>
@@ -1426,37 +2362,28 @@
           <a:bodyPr/>
           <a:lstStyle/>
           <a:p>
-            <a:pPr marL="171450" marR="0" lvl="2" indent="-171450" algn="l" defTabSz="914400" rtl="0" eaLnBrk="1" fontAlgn="auto" latinLnBrk="0" hangingPunct="1">
-              <a:lnSpc>
-                <a:spcPct val="100000"/>
-              </a:lnSpc>
-              <a:spcBef>
-                <a:spcPts val="0"/>
-              </a:spcBef>
-              <a:spcAft>
-                <a:spcPts val="0"/>
-              </a:spcAft>
-              <a:buClrTx/>
-              <a:buSzTx/>
-              <a:buFont typeface="Arial" charset="0"/>
-              <a:buChar char="•"/>
-              <a:tabLst/>
-              <a:defRPr/>
-            </a:pPr>
-            <a:endParaRPr lang="en-US" baseline="0" dirty="0" smtClean="0"/>
-          </a:p>
-          <a:p>
             <a:pPr marL="171450" indent="-171450">
               <a:buFont typeface="Arial" charset="0"/>
               <a:buChar char="•"/>
             </a:pPr>
-            <a:endParaRPr lang="en-US" baseline="0" dirty="0" smtClean="0"/>
+            <a:r>
+              <a:rPr lang="en-US" dirty="0" smtClean="0"/>
+              <a:t>KNN had the highest accuracy amongst all classification techniques</a:t>
+            </a:r>
           </a:p>
           <a:p>
             <a:pPr marL="171450" indent="-171450">
               <a:buFont typeface="Arial" charset="0"/>
               <a:buChar char="•"/>
             </a:pPr>
+            <a:r>
+              <a:rPr lang="en-US" dirty="0" smtClean="0"/>
+              <a:t>KN</a:t>
+            </a:r>
+            <a:r>
+              <a:rPr lang="en-US" baseline="0" dirty="0" smtClean="0"/>
+              <a:t>N also offers a simple model as it only includes two predictors </a:t>
+            </a:r>
             <a:endParaRPr lang="en-US" dirty="0"/>
           </a:p>
         </p:txBody>
@@ -1487,7 +2414,7 @@
     </p:spTree>
     <p:extLst>
       <p:ext uri="{BB962C8B-B14F-4D97-AF65-F5344CB8AC3E}">
-        <p14:creationId xmlns:p14="http://schemas.microsoft.com/office/powerpoint/2010/main" val="950552674"/>
+        <p14:creationId xmlns:p14="http://schemas.microsoft.com/office/powerpoint/2010/main" val="163371100"/>
       </p:ext>
     </p:extLst>
   </p:cSld>
@@ -4590,6 +5517,879 @@
       </p:par>
     </p:tnLst>
   </p:timing>
+</p:sld>
+</file>
+
+<file path=ppt/slides/slide10.xml><?xml version="1.0" encoding="utf-8"?>
+<p:sld xmlns:a="http://schemas.openxmlformats.org/drawingml/2006/main" xmlns:r="http://schemas.openxmlformats.org/officeDocument/2006/relationships" xmlns:p="http://schemas.openxmlformats.org/presentationml/2006/main">
+  <p:cSld>
+    <p:spTree>
+      <p:nvGrpSpPr>
+        <p:cNvPr id="1" name=""/>
+        <p:cNvGrpSpPr/>
+        <p:nvPr/>
+      </p:nvGrpSpPr>
+      <p:grpSpPr>
+        <a:xfrm>
+          <a:off x="0" y="0"/>
+          <a:ext cx="0" cy="0"/>
+          <a:chOff x="0" y="0"/>
+          <a:chExt cx="0" cy="0"/>
+        </a:xfrm>
+      </p:grpSpPr>
+      <p:sp>
+        <p:nvSpPr>
+          <p:cNvPr id="2" name="Title 1"/>
+          <p:cNvSpPr>
+            <a:spLocks noGrp="1"/>
+          </p:cNvSpPr>
+          <p:nvPr>
+            <p:ph type="title"/>
+          </p:nvPr>
+        </p:nvSpPr>
+        <p:spPr/>
+        <p:txBody>
+          <a:bodyPr/>
+          <a:lstStyle/>
+          <a:p>
+            <a:r>
+              <a:rPr lang="en-US" dirty="0" smtClean="0"/>
+              <a:t>Results</a:t>
+            </a:r>
+            <a:endParaRPr lang="en-US" dirty="0"/>
+          </a:p>
+        </p:txBody>
+      </p:sp>
+      <p:pic>
+        <p:nvPicPr>
+          <p:cNvPr id="4" name="Picture 3"/>
+          <p:cNvPicPr>
+            <a:picLocks noChangeAspect="1"/>
+          </p:cNvPicPr>
+          <p:nvPr/>
+        </p:nvPicPr>
+        <p:blipFill>
+          <a:blip r:embed="rId3"/>
+          <a:stretch>
+            <a:fillRect/>
+          </a:stretch>
+        </p:blipFill>
+        <p:spPr>
+          <a:xfrm>
+            <a:off x="717550" y="1297808"/>
+            <a:ext cx="7708900" cy="5397500"/>
+          </a:xfrm>
+          <a:prstGeom prst="rect">
+            <a:avLst/>
+          </a:prstGeom>
+        </p:spPr>
+      </p:pic>
+    </p:spTree>
+    <p:extLst>
+      <p:ext uri="{BB962C8B-B14F-4D97-AF65-F5344CB8AC3E}">
+        <p14:creationId xmlns:p14="http://schemas.microsoft.com/office/powerpoint/2010/main" val="455184584"/>
+      </p:ext>
+    </p:extLst>
+  </p:cSld>
+  <p:clrMapOvr>
+    <a:masterClrMapping/>
+  </p:clrMapOvr>
+  <p:timing>
+    <p:tnLst>
+      <p:par>
+        <p:cTn id="1" dur="indefinite" restart="never" nodeType="tmRoot"/>
+      </p:par>
+    </p:tnLst>
+  </p:timing>
+</p:sld>
+</file>
+
+<file path=ppt/slides/slide11.xml><?xml version="1.0" encoding="utf-8"?>
+<p:sld xmlns:a="http://schemas.openxmlformats.org/drawingml/2006/main" xmlns:r="http://schemas.openxmlformats.org/officeDocument/2006/relationships" xmlns:p="http://schemas.openxmlformats.org/presentationml/2006/main">
+  <p:cSld>
+    <p:spTree>
+      <p:nvGrpSpPr>
+        <p:cNvPr id="1" name=""/>
+        <p:cNvGrpSpPr/>
+        <p:nvPr/>
+      </p:nvGrpSpPr>
+      <p:grpSpPr>
+        <a:xfrm>
+          <a:off x="0" y="0"/>
+          <a:ext cx="0" cy="0"/>
+          <a:chOff x="0" y="0"/>
+          <a:chExt cx="0" cy="0"/>
+        </a:xfrm>
+      </p:grpSpPr>
+      <p:sp>
+        <p:nvSpPr>
+          <p:cNvPr id="2" name="Title 1"/>
+          <p:cNvSpPr>
+            <a:spLocks noGrp="1"/>
+          </p:cNvSpPr>
+          <p:nvPr>
+            <p:ph type="title"/>
+          </p:nvPr>
+        </p:nvSpPr>
+        <p:spPr/>
+        <p:txBody>
+          <a:bodyPr/>
+          <a:lstStyle/>
+          <a:p>
+            <a:r>
+              <a:rPr lang="en-US" dirty="0" smtClean="0"/>
+              <a:t>Results</a:t>
+            </a:r>
+            <a:endParaRPr lang="en-US" dirty="0"/>
+          </a:p>
+        </p:txBody>
+      </p:sp>
+      <p:sp>
+        <p:nvSpPr>
+          <p:cNvPr id="3" name="Content Placeholder 2"/>
+          <p:cNvSpPr>
+            <a:spLocks noGrp="1"/>
+          </p:cNvSpPr>
+          <p:nvPr>
+            <p:ph idx="1"/>
+          </p:nvPr>
+        </p:nvSpPr>
+        <p:spPr/>
+        <p:txBody>
+          <a:bodyPr/>
+          <a:lstStyle/>
+          <a:p>
+            <a:r>
+              <a:rPr lang="en-US" dirty="0" smtClean="0"/>
+              <a:t>Confusion Matrix on Test Data when K = 82</a:t>
+            </a:r>
+          </a:p>
+          <a:p>
+            <a:endParaRPr lang="en-US" dirty="0"/>
+          </a:p>
+        </p:txBody>
+      </p:sp>
+      <p:graphicFrame>
+        <p:nvGraphicFramePr>
+          <p:cNvPr id="4" name="Table 3"/>
+          <p:cNvGraphicFramePr>
+            <a:graphicFrameLocks noGrp="1"/>
+          </p:cNvGraphicFramePr>
+          <p:nvPr>
+            <p:extLst>
+              <p:ext uri="{D42A27DB-BD31-4B8C-83A1-F6EECF244321}">
+                <p14:modId xmlns:p14="http://schemas.microsoft.com/office/powerpoint/2010/main" val="886802648"/>
+              </p:ext>
+            </p:extLst>
+          </p:nvPr>
+        </p:nvGraphicFramePr>
+        <p:xfrm>
+          <a:off x="948267" y="2345267"/>
+          <a:ext cx="6841068" cy="2887134"/>
+        </p:xfrm>
+        <a:graphic>
+          <a:graphicData uri="http://schemas.openxmlformats.org/drawingml/2006/table">
+            <a:tbl>
+              <a:tblPr firstRow="1" bandRow="1">
+                <a:tableStyleId>{5C22544A-7EE6-4342-B048-85BDC9FD1C3A}</a:tableStyleId>
+              </a:tblPr>
+              <a:tblGrid>
+                <a:gridCol w="1710267"/>
+                <a:gridCol w="1710267"/>
+                <a:gridCol w="1710267"/>
+                <a:gridCol w="1710267"/>
+              </a:tblGrid>
+              <a:tr h="610901">
+                <a:tc>
+                  <a:txBody>
+                    <a:bodyPr/>
+                    <a:lstStyle/>
+                    <a:p>
+                      <a:endParaRPr lang="en-US" dirty="0"/>
+                    </a:p>
+                  </a:txBody>
+                  <a:tcPr/>
+                </a:tc>
+                <a:tc>
+                  <a:txBody>
+                    <a:bodyPr/>
+                    <a:lstStyle/>
+                    <a:p>
+                      <a:r>
+                        <a:rPr lang="en-US" dirty="0" smtClean="0"/>
+                        <a:t>Actual Down</a:t>
+                      </a:r>
+                      <a:endParaRPr lang="en-US" dirty="0"/>
+                    </a:p>
+                  </a:txBody>
+                  <a:tcPr/>
+                </a:tc>
+                <a:tc>
+                  <a:txBody>
+                    <a:bodyPr/>
+                    <a:lstStyle/>
+                    <a:p>
+                      <a:r>
+                        <a:rPr lang="en-US" dirty="0" smtClean="0"/>
+                        <a:t>Actual</a:t>
+                      </a:r>
+                      <a:r>
+                        <a:rPr lang="en-US" baseline="0" dirty="0" smtClean="0"/>
+                        <a:t> Up</a:t>
+                      </a:r>
+                      <a:endParaRPr lang="en-US" dirty="0"/>
+                    </a:p>
+                  </a:txBody>
+                  <a:tcPr/>
+                </a:tc>
+                <a:tc>
+                  <a:txBody>
+                    <a:bodyPr/>
+                    <a:lstStyle/>
+                    <a:p>
+                      <a:r>
+                        <a:rPr lang="en-US" dirty="0" smtClean="0"/>
+                        <a:t>Total</a:t>
+                      </a:r>
+                      <a:endParaRPr lang="en-US" dirty="0"/>
+                    </a:p>
+                  </a:txBody>
+                  <a:tcPr/>
+                </a:tc>
+              </a:tr>
+              <a:tr h="1054431">
+                <a:tc>
+                  <a:txBody>
+                    <a:bodyPr/>
+                    <a:lstStyle/>
+                    <a:p>
+                      <a:r>
+                        <a:rPr lang="en-US" dirty="0" smtClean="0"/>
+                        <a:t>Predicted Down</a:t>
+                      </a:r>
+                      <a:endParaRPr lang="en-US" dirty="0"/>
+                    </a:p>
+                  </a:txBody>
+                  <a:tcPr/>
+                </a:tc>
+                <a:tc>
+                  <a:txBody>
+                    <a:bodyPr/>
+                    <a:lstStyle/>
+                    <a:p>
+                      <a:r>
+                        <a:rPr lang="en-US" dirty="0" smtClean="0"/>
+                        <a:t>65</a:t>
+                      </a:r>
+                      <a:endParaRPr lang="en-US" dirty="0"/>
+                    </a:p>
+                  </a:txBody>
+                  <a:tcPr/>
+                </a:tc>
+                <a:tc>
+                  <a:txBody>
+                    <a:bodyPr/>
+                    <a:lstStyle/>
+                    <a:p>
+                      <a:r>
+                        <a:rPr lang="en-US" dirty="0" smtClean="0"/>
+                        <a:t>50</a:t>
+                      </a:r>
+                      <a:endParaRPr lang="en-US" dirty="0"/>
+                    </a:p>
+                  </a:txBody>
+                  <a:tcPr/>
+                </a:tc>
+                <a:tc>
+                  <a:txBody>
+                    <a:bodyPr/>
+                    <a:lstStyle/>
+                    <a:p>
+                      <a:r>
+                        <a:rPr lang="en-US" dirty="0" smtClean="0"/>
+                        <a:t>115</a:t>
+                      </a:r>
+                      <a:endParaRPr lang="en-US" dirty="0"/>
+                    </a:p>
+                  </a:txBody>
+                  <a:tcPr/>
+                </a:tc>
+              </a:tr>
+              <a:tr h="610901">
+                <a:tc>
+                  <a:txBody>
+                    <a:bodyPr/>
+                    <a:lstStyle/>
+                    <a:p>
+                      <a:r>
+                        <a:rPr lang="en-US" dirty="0" smtClean="0"/>
+                        <a:t>Predicted Up</a:t>
+                      </a:r>
+                      <a:endParaRPr lang="en-US" dirty="0"/>
+                    </a:p>
+                  </a:txBody>
+                  <a:tcPr/>
+                </a:tc>
+                <a:tc>
+                  <a:txBody>
+                    <a:bodyPr/>
+                    <a:lstStyle/>
+                    <a:p>
+                      <a:r>
+                        <a:rPr lang="en-US" dirty="0" smtClean="0"/>
+                        <a:t>46</a:t>
+                      </a:r>
+                      <a:endParaRPr lang="en-US" dirty="0"/>
+                    </a:p>
+                  </a:txBody>
+                  <a:tcPr/>
+                </a:tc>
+                <a:tc>
+                  <a:txBody>
+                    <a:bodyPr/>
+                    <a:lstStyle/>
+                    <a:p>
+                      <a:r>
+                        <a:rPr lang="en-US" dirty="0" smtClean="0"/>
+                        <a:t>91</a:t>
+                      </a:r>
+                      <a:endParaRPr lang="en-US" dirty="0"/>
+                    </a:p>
+                  </a:txBody>
+                  <a:tcPr/>
+                </a:tc>
+                <a:tc>
+                  <a:txBody>
+                    <a:bodyPr/>
+                    <a:lstStyle/>
+                    <a:p>
+                      <a:r>
+                        <a:rPr lang="en-US" dirty="0" smtClean="0"/>
+                        <a:t>137</a:t>
+                      </a:r>
+                      <a:endParaRPr lang="en-US" dirty="0"/>
+                    </a:p>
+                  </a:txBody>
+                  <a:tcPr/>
+                </a:tc>
+              </a:tr>
+              <a:tr h="610901">
+                <a:tc>
+                  <a:txBody>
+                    <a:bodyPr/>
+                    <a:lstStyle/>
+                    <a:p>
+                      <a:r>
+                        <a:rPr lang="en-US" dirty="0" smtClean="0"/>
+                        <a:t>Total</a:t>
+                      </a:r>
+                      <a:endParaRPr lang="en-US" dirty="0"/>
+                    </a:p>
+                  </a:txBody>
+                  <a:tcPr/>
+                </a:tc>
+                <a:tc>
+                  <a:txBody>
+                    <a:bodyPr/>
+                    <a:lstStyle/>
+                    <a:p>
+                      <a:r>
+                        <a:rPr lang="en-US" dirty="0" smtClean="0"/>
+                        <a:t>111</a:t>
+                      </a:r>
+                      <a:endParaRPr lang="en-US" dirty="0"/>
+                    </a:p>
+                  </a:txBody>
+                  <a:tcPr/>
+                </a:tc>
+                <a:tc>
+                  <a:txBody>
+                    <a:bodyPr/>
+                    <a:lstStyle/>
+                    <a:p>
+                      <a:r>
+                        <a:rPr lang="en-US" dirty="0" smtClean="0"/>
+                        <a:t>141</a:t>
+                      </a:r>
+                      <a:endParaRPr lang="en-US" dirty="0"/>
+                    </a:p>
+                  </a:txBody>
+                  <a:tcPr/>
+                </a:tc>
+                <a:tc>
+                  <a:txBody>
+                    <a:bodyPr/>
+                    <a:lstStyle/>
+                    <a:p>
+                      <a:r>
+                        <a:rPr lang="en-US" dirty="0" smtClean="0"/>
+                        <a:t>252</a:t>
+                      </a:r>
+                      <a:endParaRPr lang="en-US" dirty="0"/>
+                    </a:p>
+                  </a:txBody>
+                  <a:tcPr/>
+                </a:tc>
+              </a:tr>
+            </a:tbl>
+          </a:graphicData>
+        </a:graphic>
+      </p:graphicFrame>
+    </p:spTree>
+    <p:extLst>
+      <p:ext uri="{BB962C8B-B14F-4D97-AF65-F5344CB8AC3E}">
+        <p14:creationId xmlns:p14="http://schemas.microsoft.com/office/powerpoint/2010/main" val="1244050127"/>
+      </p:ext>
+    </p:extLst>
+  </p:cSld>
+  <p:clrMapOvr>
+    <a:masterClrMapping/>
+  </p:clrMapOvr>
+</p:sld>
+</file>
+
+<file path=ppt/slides/slide12.xml><?xml version="1.0" encoding="utf-8"?>
+<p:sld xmlns:a="http://schemas.openxmlformats.org/drawingml/2006/main" xmlns:r="http://schemas.openxmlformats.org/officeDocument/2006/relationships" xmlns:p="http://schemas.openxmlformats.org/presentationml/2006/main">
+  <p:cSld>
+    <p:spTree>
+      <p:nvGrpSpPr>
+        <p:cNvPr id="1" name=""/>
+        <p:cNvGrpSpPr/>
+        <p:nvPr/>
+      </p:nvGrpSpPr>
+      <p:grpSpPr>
+        <a:xfrm>
+          <a:off x="0" y="0"/>
+          <a:ext cx="0" cy="0"/>
+          <a:chOff x="0" y="0"/>
+          <a:chExt cx="0" cy="0"/>
+        </a:xfrm>
+      </p:grpSpPr>
+      <p:sp>
+        <p:nvSpPr>
+          <p:cNvPr id="2" name="Title 1"/>
+          <p:cNvSpPr>
+            <a:spLocks noGrp="1"/>
+          </p:cNvSpPr>
+          <p:nvPr>
+            <p:ph type="title"/>
+          </p:nvPr>
+        </p:nvSpPr>
+        <p:spPr/>
+        <p:txBody>
+          <a:bodyPr/>
+          <a:lstStyle/>
+          <a:p>
+            <a:r>
+              <a:rPr lang="en-US" dirty="0" smtClean="0"/>
+              <a:t>Error Analysis</a:t>
+            </a:r>
+            <a:endParaRPr lang="en-US" dirty="0"/>
+          </a:p>
+        </p:txBody>
+      </p:sp>
+      <p:sp>
+        <p:nvSpPr>
+          <p:cNvPr id="3" name="Content Placeholder 2"/>
+          <p:cNvSpPr>
+            <a:spLocks noGrp="1"/>
+          </p:cNvSpPr>
+          <p:nvPr>
+            <p:ph idx="1"/>
+          </p:nvPr>
+        </p:nvSpPr>
+        <p:spPr/>
+        <p:txBody>
+          <a:bodyPr>
+            <a:normAutofit/>
+          </a:bodyPr>
+          <a:lstStyle/>
+          <a:p>
+            <a:r>
+              <a:rPr lang="en-US" dirty="0" smtClean="0"/>
+              <a:t>Error analysis with non-linear models is often difficult to do</a:t>
+            </a:r>
+          </a:p>
+          <a:p>
+            <a:r>
+              <a:rPr lang="en-US" dirty="0" smtClean="0"/>
+              <a:t>Transformations and interactions could be considered to improve predictive accuracy</a:t>
+            </a:r>
+          </a:p>
+          <a:p>
+            <a:endParaRPr lang="en-US" dirty="0" smtClean="0"/>
+          </a:p>
+          <a:p>
+            <a:endParaRPr lang="en-US" dirty="0"/>
+          </a:p>
+        </p:txBody>
+      </p:sp>
+    </p:spTree>
+    <p:extLst>
+      <p:ext uri="{BB962C8B-B14F-4D97-AF65-F5344CB8AC3E}">
+        <p14:creationId xmlns:p14="http://schemas.microsoft.com/office/powerpoint/2010/main" val="751601725"/>
+      </p:ext>
+    </p:extLst>
+  </p:cSld>
+  <p:clrMapOvr>
+    <a:masterClrMapping/>
+  </p:clrMapOvr>
+</p:sld>
+</file>
+
+<file path=ppt/slides/slide13.xml><?xml version="1.0" encoding="utf-8"?>
+<p:sld xmlns:a="http://schemas.openxmlformats.org/drawingml/2006/main" xmlns:r="http://schemas.openxmlformats.org/officeDocument/2006/relationships" xmlns:p="http://schemas.openxmlformats.org/presentationml/2006/main">
+  <p:cSld>
+    <p:spTree>
+      <p:nvGrpSpPr>
+        <p:cNvPr id="1" name=""/>
+        <p:cNvGrpSpPr/>
+        <p:nvPr/>
+      </p:nvGrpSpPr>
+      <p:grpSpPr>
+        <a:xfrm>
+          <a:off x="0" y="0"/>
+          <a:ext cx="0" cy="0"/>
+          <a:chOff x="0" y="0"/>
+          <a:chExt cx="0" cy="0"/>
+        </a:xfrm>
+      </p:grpSpPr>
+      <p:sp>
+        <p:nvSpPr>
+          <p:cNvPr id="2" name="Title 1"/>
+          <p:cNvSpPr>
+            <a:spLocks noGrp="1"/>
+          </p:cNvSpPr>
+          <p:nvPr>
+            <p:ph type="title"/>
+          </p:nvPr>
+        </p:nvSpPr>
+        <p:spPr/>
+        <p:txBody>
+          <a:bodyPr/>
+          <a:lstStyle/>
+          <a:p>
+            <a:r>
+              <a:rPr lang="en-US" dirty="0" smtClean="0"/>
+              <a:t>Error Analysis: Transformations</a:t>
+            </a:r>
+            <a:endParaRPr lang="en-US" dirty="0"/>
+          </a:p>
+        </p:txBody>
+      </p:sp>
+      <p:pic>
+        <p:nvPicPr>
+          <p:cNvPr id="4" name="Content Placeholder 3"/>
+          <p:cNvPicPr>
+            <a:picLocks noGrp="1" noChangeAspect="1"/>
+          </p:cNvPicPr>
+          <p:nvPr>
+            <p:ph idx="1"/>
+          </p:nvPr>
+        </p:nvPicPr>
+        <p:blipFill>
+          <a:blip r:embed="rId3"/>
+          <a:stretch>
+            <a:fillRect/>
+          </a:stretch>
+        </p:blipFill>
+        <p:spPr>
+          <a:xfrm>
+            <a:off x="1930967" y="1600200"/>
+            <a:ext cx="5282065" cy="4525963"/>
+          </a:xfrm>
+          <a:prstGeom prst="rect">
+            <a:avLst/>
+          </a:prstGeom>
+        </p:spPr>
+      </p:pic>
+    </p:spTree>
+    <p:extLst>
+      <p:ext uri="{BB962C8B-B14F-4D97-AF65-F5344CB8AC3E}">
+        <p14:creationId xmlns:p14="http://schemas.microsoft.com/office/powerpoint/2010/main" val="141369928"/>
+      </p:ext>
+    </p:extLst>
+  </p:cSld>
+  <p:clrMapOvr>
+    <a:masterClrMapping/>
+  </p:clrMapOvr>
+</p:sld>
+</file>
+
+<file path=ppt/slides/slide14.xml><?xml version="1.0" encoding="utf-8"?>
+<p:sld xmlns:a="http://schemas.openxmlformats.org/drawingml/2006/main" xmlns:r="http://schemas.openxmlformats.org/officeDocument/2006/relationships" xmlns:p="http://schemas.openxmlformats.org/presentationml/2006/main">
+  <p:cSld>
+    <p:spTree>
+      <p:nvGrpSpPr>
+        <p:cNvPr id="1" name=""/>
+        <p:cNvGrpSpPr/>
+        <p:nvPr/>
+      </p:nvGrpSpPr>
+      <p:grpSpPr>
+        <a:xfrm>
+          <a:off x="0" y="0"/>
+          <a:ext cx="0" cy="0"/>
+          <a:chOff x="0" y="0"/>
+          <a:chExt cx="0" cy="0"/>
+        </a:xfrm>
+      </p:grpSpPr>
+      <p:sp>
+        <p:nvSpPr>
+          <p:cNvPr id="2" name="Title 1"/>
+          <p:cNvSpPr>
+            <a:spLocks noGrp="1"/>
+          </p:cNvSpPr>
+          <p:nvPr>
+            <p:ph type="title"/>
+          </p:nvPr>
+        </p:nvSpPr>
+        <p:spPr/>
+        <p:txBody>
+          <a:bodyPr/>
+          <a:lstStyle/>
+          <a:p>
+            <a:r>
+              <a:rPr lang="en-US" dirty="0" smtClean="0"/>
+              <a:t>Error Analysis: Interactions</a:t>
+            </a:r>
+            <a:endParaRPr lang="en-US" dirty="0"/>
+          </a:p>
+        </p:txBody>
+      </p:sp>
+      <p:pic>
+        <p:nvPicPr>
+          <p:cNvPr id="4" name="Content Placeholder 3"/>
+          <p:cNvPicPr>
+            <a:picLocks noGrp="1" noChangeAspect="1"/>
+          </p:cNvPicPr>
+          <p:nvPr>
+            <p:ph idx="1"/>
+          </p:nvPr>
+        </p:nvPicPr>
+        <p:blipFill>
+          <a:blip r:embed="rId3"/>
+          <a:stretch>
+            <a:fillRect/>
+          </a:stretch>
+        </p:blipFill>
+        <p:spPr>
+          <a:xfrm>
+            <a:off x="1930967" y="1600200"/>
+            <a:ext cx="5282065" cy="4525963"/>
+          </a:xfrm>
+          <a:prstGeom prst="rect">
+            <a:avLst/>
+          </a:prstGeom>
+        </p:spPr>
+      </p:pic>
+    </p:spTree>
+    <p:extLst>
+      <p:ext uri="{BB962C8B-B14F-4D97-AF65-F5344CB8AC3E}">
+        <p14:creationId xmlns:p14="http://schemas.microsoft.com/office/powerpoint/2010/main" val="15095814"/>
+      </p:ext>
+    </p:extLst>
+  </p:cSld>
+  <p:clrMapOvr>
+    <a:masterClrMapping/>
+  </p:clrMapOvr>
+</p:sld>
+</file>
+
+<file path=ppt/slides/slide15.xml><?xml version="1.0" encoding="utf-8"?>
+<p:sld xmlns:a="http://schemas.openxmlformats.org/drawingml/2006/main" xmlns:r="http://schemas.openxmlformats.org/officeDocument/2006/relationships" xmlns:p="http://schemas.openxmlformats.org/presentationml/2006/main">
+  <p:cSld>
+    <p:spTree>
+      <p:nvGrpSpPr>
+        <p:cNvPr id="1" name=""/>
+        <p:cNvGrpSpPr/>
+        <p:nvPr/>
+      </p:nvGrpSpPr>
+      <p:grpSpPr>
+        <a:xfrm>
+          <a:off x="0" y="0"/>
+          <a:ext cx="0" cy="0"/>
+          <a:chOff x="0" y="0"/>
+          <a:chExt cx="0" cy="0"/>
+        </a:xfrm>
+      </p:grpSpPr>
+      <p:sp>
+        <p:nvSpPr>
+          <p:cNvPr id="2" name="Title 1"/>
+          <p:cNvSpPr>
+            <a:spLocks noGrp="1"/>
+          </p:cNvSpPr>
+          <p:nvPr>
+            <p:ph type="title"/>
+          </p:nvPr>
+        </p:nvSpPr>
+        <p:spPr/>
+        <p:txBody>
+          <a:bodyPr>
+            <a:normAutofit fontScale="90000"/>
+          </a:bodyPr>
+          <a:lstStyle/>
+          <a:p>
+            <a:r>
+              <a:rPr lang="en-US" dirty="0" smtClean="0"/>
+              <a:t>Actionable Information and Insights</a:t>
+            </a:r>
+            <a:endParaRPr lang="en-US" dirty="0"/>
+          </a:p>
+        </p:txBody>
+      </p:sp>
+      <p:sp>
+        <p:nvSpPr>
+          <p:cNvPr id="3" name="Content Placeholder 2"/>
+          <p:cNvSpPr>
+            <a:spLocks noGrp="1"/>
+          </p:cNvSpPr>
+          <p:nvPr>
+            <p:ph idx="1"/>
+          </p:nvPr>
+        </p:nvSpPr>
+        <p:spPr/>
+        <p:txBody>
+          <a:bodyPr>
+            <a:normAutofit fontScale="92500"/>
+          </a:bodyPr>
+          <a:lstStyle/>
+          <a:p>
+            <a:r>
+              <a:rPr lang="en-US" dirty="0" smtClean="0"/>
+              <a:t>Among logistic regression, LDA, QDA, and KNN, KNN has the highest accuracy when predicting stock market direction</a:t>
+            </a:r>
+          </a:p>
+          <a:p>
+            <a:r>
+              <a:rPr lang="en-US" dirty="0" smtClean="0"/>
+              <a:t>The most important variables in predicting future stock market directions are Lag5 and volume</a:t>
+            </a:r>
+          </a:p>
+          <a:p>
+            <a:r>
+              <a:rPr lang="en-US" dirty="0" smtClean="0"/>
+              <a:t>KNN is most accurate when predicting that the market will go up, so a potential strategy would be to invest when KNN predicts that the market goes up</a:t>
+            </a:r>
+            <a:endParaRPr lang="en-US" dirty="0"/>
+          </a:p>
+        </p:txBody>
+      </p:sp>
+    </p:spTree>
+    <p:extLst>
+      <p:ext uri="{BB962C8B-B14F-4D97-AF65-F5344CB8AC3E}">
+        <p14:creationId xmlns:p14="http://schemas.microsoft.com/office/powerpoint/2010/main" val="1989554571"/>
+      </p:ext>
+    </p:extLst>
+  </p:cSld>
+  <p:clrMapOvr>
+    <a:masterClrMapping/>
+  </p:clrMapOvr>
+</p:sld>
+</file>
+
+<file path=ppt/slides/slide16.xml><?xml version="1.0" encoding="utf-8"?>
+<p:sld xmlns:a="http://schemas.openxmlformats.org/drawingml/2006/main" xmlns:r="http://schemas.openxmlformats.org/officeDocument/2006/relationships" xmlns:p="http://schemas.openxmlformats.org/presentationml/2006/main">
+  <p:cSld>
+    <p:spTree>
+      <p:nvGrpSpPr>
+        <p:cNvPr id="1" name=""/>
+        <p:cNvGrpSpPr/>
+        <p:nvPr/>
+      </p:nvGrpSpPr>
+      <p:grpSpPr>
+        <a:xfrm>
+          <a:off x="0" y="0"/>
+          <a:ext cx="0" cy="0"/>
+          <a:chOff x="0" y="0"/>
+          <a:chExt cx="0" cy="0"/>
+        </a:xfrm>
+      </p:grpSpPr>
+      <p:sp>
+        <p:nvSpPr>
+          <p:cNvPr id="2" name="Title 1"/>
+          <p:cNvSpPr>
+            <a:spLocks noGrp="1"/>
+          </p:cNvSpPr>
+          <p:nvPr>
+            <p:ph type="title"/>
+          </p:nvPr>
+        </p:nvSpPr>
+        <p:spPr/>
+        <p:txBody>
+          <a:bodyPr/>
+          <a:lstStyle/>
+          <a:p>
+            <a:r>
+              <a:rPr lang="en-US" dirty="0" smtClean="0"/>
+              <a:t>Future Work</a:t>
+            </a:r>
+            <a:endParaRPr lang="en-US" dirty="0"/>
+          </a:p>
+        </p:txBody>
+      </p:sp>
+      <p:sp>
+        <p:nvSpPr>
+          <p:cNvPr id="3" name="Content Placeholder 2"/>
+          <p:cNvSpPr>
+            <a:spLocks noGrp="1"/>
+          </p:cNvSpPr>
+          <p:nvPr>
+            <p:ph idx="1"/>
+          </p:nvPr>
+        </p:nvSpPr>
+        <p:spPr/>
+        <p:txBody>
+          <a:bodyPr>
+            <a:normAutofit fontScale="92500" lnSpcReduction="10000"/>
+          </a:bodyPr>
+          <a:lstStyle/>
+          <a:p>
+            <a:r>
+              <a:rPr lang="en-US" dirty="0" smtClean="0"/>
+              <a:t>A statistical test to see if the predictors followed a multivariate normal distribution</a:t>
+            </a:r>
+          </a:p>
+          <a:p>
+            <a:r>
+              <a:rPr lang="en-US" dirty="0" smtClean="0"/>
+              <a:t>Fitting all three way interactions in addition to the 2 way interactions</a:t>
+            </a:r>
+          </a:p>
+          <a:p>
+            <a:r>
+              <a:rPr lang="en-US" dirty="0" smtClean="0"/>
+              <a:t>A more granular search grid of classification cut-offs fo</a:t>
+            </a:r>
+            <a:r>
+              <a:rPr lang="en-US" dirty="0" smtClean="0"/>
+              <a:t>r LR, LDA, and QDA,</a:t>
+            </a:r>
+            <a:r>
+              <a:rPr lang="en-US" dirty="0" smtClean="0"/>
+              <a:t> as well as K values for KNN</a:t>
+            </a:r>
+          </a:p>
+          <a:p>
+            <a:r>
+              <a:rPr lang="en-US" dirty="0" smtClean="0"/>
+              <a:t>Simulation analyses to determine which model would lead to the highest returns over a given period of time</a:t>
+            </a:r>
+          </a:p>
+          <a:p>
+            <a:endParaRPr lang="en-US" dirty="0"/>
+          </a:p>
+        </p:txBody>
+      </p:sp>
+    </p:spTree>
+    <p:extLst>
+      <p:ext uri="{BB962C8B-B14F-4D97-AF65-F5344CB8AC3E}">
+        <p14:creationId xmlns:p14="http://schemas.microsoft.com/office/powerpoint/2010/main" val="455843568"/>
+      </p:ext>
+    </p:extLst>
+  </p:cSld>
+  <p:clrMapOvr>
+    <a:masterClrMapping/>
+  </p:clrMapOvr>
 </p:sld>
 </file>
 
@@ -5664,60 +7464,34 @@
             <p:ph idx="1"/>
           </p:nvPr>
         </p:nvSpPr>
-        <p:spPr>
-          <a:xfrm>
-            <a:off x="457200" y="1600200"/>
-            <a:ext cx="8229600" cy="5257800"/>
-          </a:xfrm>
-        </p:spPr>
-        <p:txBody>
-          <a:bodyPr>
-            <a:normAutofit/>
-          </a:bodyPr>
-          <a:lstStyle/>
-          <a:p>
-            <a:r>
-              <a:rPr lang="en-US" dirty="0" smtClean="0"/>
-              <a:t>The final model selected is the KNN model with K = 82, using only Lag5 and Volume as the predictors</a:t>
-            </a:r>
-          </a:p>
-          <a:p>
-            <a:r>
-              <a:rPr lang="en-US" dirty="0" smtClean="0"/>
-              <a:t>This model is not only accurate (61%), but also accurate at predicting when the market will go up (66%)</a:t>
-            </a:r>
-          </a:p>
-          <a:p>
-            <a:r>
-              <a:rPr lang="en-US" dirty="0" smtClean="0"/>
-              <a:t>This model indicates that recent stock market performance isn’t important relative to stock market performance from 5 days ago</a:t>
-            </a:r>
-          </a:p>
-          <a:p>
-            <a:endParaRPr lang="en-US" dirty="0" smtClean="0"/>
-          </a:p>
-          <a:p>
-            <a:endParaRPr lang="en-US" dirty="0"/>
+        <p:spPr/>
+        <p:txBody>
+          <a:bodyPr/>
+          <a:lstStyle/>
+          <a:p>
+            <a:r>
+              <a:rPr lang="en-US" dirty="0"/>
+              <a:t>Linear Discriminant Analysis and Quadratic Discriminant Analysis both require that the predictors follow a multivariate normal distribution</a:t>
+            </a:r>
+          </a:p>
+          <a:p>
+            <a:r>
+              <a:rPr lang="en-US" dirty="0"/>
+              <a:t>Logistic regression and Linear Discriminant Analysis both call for 5 predictors while Quadratic Discriminant Analysis and KNN both call for two predictors </a:t>
+            </a:r>
           </a:p>
         </p:txBody>
       </p:sp>
     </p:spTree>
     <p:extLst>
       <p:ext uri="{BB962C8B-B14F-4D97-AF65-F5344CB8AC3E}">
-        <p14:creationId xmlns:p14="http://schemas.microsoft.com/office/powerpoint/2010/main" val="2777363673"/>
+        <p14:creationId xmlns:p14="http://schemas.microsoft.com/office/powerpoint/2010/main" val="1348605980"/>
       </p:ext>
     </p:extLst>
   </p:cSld>
   <p:clrMapOvr>
     <a:masterClrMapping/>
   </p:clrMapOvr>
-  <p:timing>
-    <p:tnLst>
-      <p:par>
-        <p:cTn id="1" dur="indefinite" restart="never" nodeType="tmRoot"/>
-      </p:par>
-    </p:tnLst>
-  </p:timing>
 </p:sld>
 </file>
 
@@ -5783,14 +7557,35 @@
           </a:bodyPr>
           <a:lstStyle/>
           <a:p>
+            <a:r>
+              <a:rPr lang="en-US" dirty="0" smtClean="0"/>
+              <a:t>The final model selected is the KNN model with K = 82, using only Lag5 and Volume as the predictors</a:t>
+            </a:r>
+          </a:p>
+          <a:p>
+            <a:r>
+              <a:rPr lang="en-US" dirty="0" smtClean="0"/>
+              <a:t>This model is not only accurate (61%), but also accurate at predicting when the market will go up (66%)</a:t>
+            </a:r>
+          </a:p>
+          <a:p>
+            <a:r>
+              <a:rPr lang="en-US" dirty="0" smtClean="0"/>
+              <a:t>This model indicates that recent stock market performance isn’t important relative to stock market performance from 5 days ago</a:t>
+            </a:r>
+          </a:p>
+          <a:p>
             <a:endParaRPr lang="en-US" dirty="0" smtClean="0"/>
+          </a:p>
+          <a:p>
+            <a:endParaRPr lang="en-US" dirty="0"/>
           </a:p>
         </p:txBody>
       </p:sp>
     </p:spTree>
     <p:extLst>
       <p:ext uri="{BB962C8B-B14F-4D97-AF65-F5344CB8AC3E}">
-        <p14:creationId xmlns:p14="http://schemas.microsoft.com/office/powerpoint/2010/main" val="455184584"/>
+        <p14:creationId xmlns:p14="http://schemas.microsoft.com/office/powerpoint/2010/main" val="2777363673"/>
       </p:ext>
     </p:extLst>
   </p:cSld>
